--- a/working_practices/Why_good_data_management_is_essential_for_good_science.pptx
+++ b/working_practices/Why_good_data_management_is_essential_for_good_science.pptx
@@ -244,7 +244,7 @@
           <a:p>
             <a:fld id="{602A5C54-88BD-4264-8EA7-A39AC167FEFC}" type="datetimeFigureOut">
               <a:rPr lang="en-GB" smtClean="0"/>
-              <a:t>01/11/2018</a:t>
+              <a:t>12/11/2019</a:t>
             </a:fld>
             <a:endParaRPr lang="en-GB"/>
           </a:p>
@@ -2392,7 +2392,7 @@
               <a:pPr>
                 <a:defRPr/>
               </a:pPr>
-              <a:t>01/11/2018</a:t>
+              <a:t>12/11/2019</a:t>
             </a:fld>
             <a:endParaRPr lang="en-GB" altLang="en-US"/>
           </a:p>
@@ -2640,7 +2640,7 @@
               <a:pPr>
                 <a:defRPr/>
               </a:pPr>
-              <a:t>01/11/2018</a:t>
+              <a:t>12/11/2019</a:t>
             </a:fld>
             <a:endParaRPr lang="en-GB" altLang="en-US"/>
           </a:p>
@@ -2820,7 +2820,7 @@
               <a:pPr>
                 <a:defRPr/>
               </a:pPr>
-              <a:t>01/11/2018</a:t>
+              <a:t>12/11/2019</a:t>
             </a:fld>
             <a:endParaRPr lang="en-GB" altLang="en-US"/>
           </a:p>
@@ -3765,57 +3765,7 @@
                 <a:latin typeface="Arial Rounded MT Bold" panose="020F0704030504030204" pitchFamily="34" charset="0"/>
                 <a:cs typeface="Arial" panose="020B0604020202020204" pitchFamily="34" charset="0"/>
               </a:rPr>
-              <a:t>Why Good Data </a:t>
-            </a:r>
-            <a:r>
-              <a:rPr lang="en-GB" sz="4000" b="1" dirty="0" smtClean="0">
-                <a:solidFill>
-                  <a:prstClr val="black"/>
-                </a:solidFill>
-                <a:latin typeface="Arial Rounded MT Bold" panose="020F0704030504030204" pitchFamily="34" charset="0"/>
-                <a:cs typeface="Arial" panose="020B0604020202020204" pitchFamily="34" charset="0"/>
-              </a:rPr>
-              <a:t>Management</a:t>
-            </a:r>
-            <a:r>
-              <a:rPr lang="en-GB" sz="4000" b="1" dirty="0" smtClean="0">
-                <a:solidFill>
-                  <a:prstClr val="black"/>
-                </a:solidFill>
-                <a:latin typeface="Arial Rounded MT Bold" panose="020F0704030504030204" pitchFamily="34" charset="0"/>
-                <a:cs typeface="Arial" panose="020B0604020202020204" pitchFamily="34" charset="0"/>
-              </a:rPr>
-              <a:t> </a:t>
-            </a:r>
-            <a:r>
-              <a:rPr lang="en-GB" sz="4000" b="1" dirty="0" smtClean="0">
-                <a:solidFill>
-                  <a:prstClr val="black"/>
-                </a:solidFill>
-                <a:latin typeface="Arial Rounded MT Bold" panose="020F0704030504030204" pitchFamily="34" charset="0"/>
-                <a:cs typeface="Arial" panose="020B0604020202020204" pitchFamily="34" charset="0"/>
-              </a:rPr>
-              <a:t>is Essential </a:t>
-            </a:r>
-            <a:r>
-              <a:rPr lang="en-GB" sz="4000" b="1" dirty="0" smtClean="0">
-                <a:solidFill>
-                  <a:prstClr val="black"/>
-                </a:solidFill>
-                <a:latin typeface="Arial Rounded MT Bold" panose="020F0704030504030204" pitchFamily="34" charset="0"/>
-                <a:cs typeface="Arial" panose="020B0604020202020204" pitchFamily="34" charset="0"/>
-              </a:rPr>
-              <a:t>for Good </a:t>
-            </a:r>
-            <a:r>
-              <a:rPr lang="en-GB" sz="4000" b="1" dirty="0" smtClean="0">
-                <a:solidFill>
-                  <a:prstClr val="black"/>
-                </a:solidFill>
-                <a:latin typeface="Arial Rounded MT Bold" panose="020F0704030504030204" pitchFamily="34" charset="0"/>
-                <a:cs typeface="Arial" panose="020B0604020202020204" pitchFamily="34" charset="0"/>
-              </a:rPr>
-              <a:t>Science</a:t>
+              <a:t>Why Good Data Management is Essential for Good Science</a:t>
             </a:r>
             <a:endParaRPr lang="en-GB" sz="4000" b="1" dirty="0">
               <a:solidFill>
@@ -3934,7 +3884,13 @@
               <a:rPr lang="en-US" sz="2400" dirty="0" smtClean="0">
                 <a:latin typeface="+mj-lt"/>
               </a:rPr>
-              <a:t>Unicode (UTF-8) retains the original ascii codes but extends to many thousands of characters</a:t>
+              <a:t>Unicode </a:t>
+            </a:r>
+            <a:r>
+              <a:rPr lang="en-US" sz="2400" dirty="0" smtClean="0">
+                <a:latin typeface="+mj-lt"/>
+              </a:rPr>
+              <a:t>retains the original ascii codes but extends to many thousands of characters</a:t>
             </a:r>
             <a:endParaRPr lang="en-US" sz="2400" dirty="0">
               <a:latin typeface="+mj-lt"/>
@@ -15978,7 +15934,7 @@
 </file>
 
 <file path=ppt/slides/slide37.xml><?xml version="1.0" encoding="utf-8"?>
-<p:sld xmlns:a="http://schemas.openxmlformats.org/drawingml/2006/main" xmlns:r="http://schemas.openxmlformats.org/officeDocument/2006/relationships" xmlns:p="http://schemas.openxmlformats.org/presentationml/2006/main" show="0">
+<p:sld xmlns:a="http://schemas.openxmlformats.org/drawingml/2006/main" xmlns:r="http://schemas.openxmlformats.org/officeDocument/2006/relationships" xmlns:p="http://schemas.openxmlformats.org/presentationml/2006/main">
   <p:cSld>
     <p:spTree>
       <p:nvGrpSpPr>
@@ -16155,11 +16111,11 @@
   <p:clrMapOvr>
     <a:masterClrMapping/>
   </p:clrMapOvr>
-  <mc:AlternateContent xmlns:mc="http://schemas.openxmlformats.org/markup-compatibility/2006" xmlns:p14="http://schemas.microsoft.com/office/powerpoint/2010/main">
-    <mc:Choice Requires="p14">
+  <mc:AlternateContent xmlns:mc="http://schemas.openxmlformats.org/markup-compatibility/2006">
+    <mc:Choice xmlns:p14="http://schemas.microsoft.com/office/powerpoint/2010/main" Requires="p14">
       <p:transition spd="slow" p14:dur="2000"/>
     </mc:Choice>
-    <mc:Fallback xmlns="">
+    <mc:Fallback>
       <p:transition spd="slow"/>
     </mc:Fallback>
   </mc:AlternateContent>
